--- a/doc/ColoniesArch.pptx
+++ b/doc/ColoniesArch.pptx
@@ -4872,10 +4872,9 @@
           <a:p>
             <a:pPr algn="ctr"/>
             <a:r>
-              <a:rPr lang="en-US" sz="1400" dirty="0" err="1"/>
-              <a:t>Finsished</a:t>
-            </a:r>
-            <a:endParaRPr lang="en-US" sz="1400" dirty="0"/>
+              <a:rPr lang="en-US" sz="1400" dirty="0"/>
+              <a:t>Finished</a:t>
+            </a:r>
           </a:p>
         </p:txBody>
       </p:sp>
@@ -5102,7 +5101,7 @@
         </p:blipFill>
         <p:spPr>
           <a:xfrm>
-            <a:off x="5795312" y="934980"/>
+            <a:off x="9502922" y="431230"/>
             <a:ext cx="864687" cy="432344"/>
           </a:xfrm>
           <a:prstGeom prst="rect">
